--- a/2022-11-29/documents/CH_07 영역 처리 & CH_08 기하학 처리.pptx
+++ b/2022-11-29/documents/CH_07 영역 처리 & CH_08 기하학 처리.pptx
@@ -5,10 +5,10 @@
     <p:sldMasterId id="2147483970" r:id="rId1"/>
   </p:sldMasterIdLst>
   <p:notesMasterIdLst>
-    <p:notesMasterId r:id="rId17"/>
+    <p:notesMasterId r:id="rId19"/>
   </p:notesMasterIdLst>
   <p:handoutMasterIdLst>
-    <p:handoutMasterId r:id="rId18"/>
+    <p:handoutMasterId r:id="rId20"/>
   </p:handoutMasterIdLst>
   <p:sldIdLst>
     <p:sldId id="478" r:id="rId2"/>
@@ -26,6 +26,8 @@
     <p:sldId id="503" r:id="rId14"/>
     <p:sldId id="502" r:id="rId15"/>
     <p:sldId id="504" r:id="rId16"/>
+    <p:sldId id="505" r:id="rId17"/>
+    <p:sldId id="506" r:id="rId18"/>
   </p:sldIdLst>
   <p:sldSz cx="9144000" cy="5715000" type="screen16x10"/>
   <p:notesSz cx="7104063" cy="10234613"/>
@@ -13072,6 +13074,2071 @@
     <p:extLst>
       <p:ext uri="{BB962C8B-B14F-4D97-AF65-F5344CB8AC3E}">
         <p14:creationId xmlns:p14="http://schemas.microsoft.com/office/powerpoint/2010/main" val="2741670722"/>
+      </p:ext>
+    </p:extLst>
+  </p:cSld>
+  <p:clrMapOvr>
+    <a:masterClrMapping/>
+  </p:clrMapOvr>
+</p:sld>
+</file>
+
+<file path=ppt/slides/slide16.xml><?xml version="1.0" encoding="utf-8"?>
+<p:sld xmlns:a="http://schemas.openxmlformats.org/drawingml/2006/main" xmlns:r="http://schemas.openxmlformats.org/officeDocument/2006/relationships" xmlns:p="http://schemas.openxmlformats.org/presentationml/2006/main">
+  <p:cSld>
+    <p:spTree>
+      <p:nvGrpSpPr>
+        <p:cNvPr id="1" name=""/>
+        <p:cNvGrpSpPr/>
+        <p:nvPr/>
+      </p:nvGrpSpPr>
+      <p:grpSpPr>
+        <a:xfrm>
+          <a:off x="0" y="0"/>
+          <a:ext cx="0" cy="0"/>
+          <a:chOff x="0" y="0"/>
+          <a:chExt cx="0" cy="0"/>
+        </a:xfrm>
+      </p:grpSpPr>
+      <p:sp>
+        <p:nvSpPr>
+          <p:cNvPr id="2" name="제목 1"/>
+          <p:cNvSpPr>
+            <a:spLocks noGrp="1"/>
+          </p:cNvSpPr>
+          <p:nvPr>
+            <p:ph type="title"/>
+          </p:nvPr>
+        </p:nvSpPr>
+        <p:spPr/>
+        <p:txBody>
+          <a:bodyPr/>
+          <a:lstStyle/>
+          <a:p>
+            <a:r>
+              <a:rPr lang="en-US" altLang="ko-KR" dirty="0"/>
+              <a:t>8. </a:t>
+            </a:r>
+            <a:r>
+              <a:rPr lang="ko-KR" altLang="en-US" dirty="0"/>
+              <a:t>기하학 처리</a:t>
+            </a:r>
+          </a:p>
+        </p:txBody>
+      </p:sp>
+      <p:sp>
+        <p:nvSpPr>
+          <p:cNvPr id="3" name="내용 개체 틀 2"/>
+          <p:cNvSpPr>
+            <a:spLocks noGrp="1"/>
+          </p:cNvSpPr>
+          <p:nvPr>
+            <p:ph idx="1"/>
+          </p:nvPr>
+        </p:nvSpPr>
+        <p:spPr/>
+        <p:txBody>
+          <a:bodyPr>
+            <a:normAutofit/>
+          </a:bodyPr>
+          <a:lstStyle/>
+          <a:p>
+            <a:r>
+              <a:rPr lang="en-US" altLang="ko-KR" dirty="0"/>
+              <a:t>8.6 </a:t>
+            </a:r>
+            <a:r>
+              <a:rPr lang="ko-KR" altLang="en-US" dirty="0" err="1"/>
+              <a:t>어파인</a:t>
+            </a:r>
+            <a:r>
+              <a:rPr lang="ko-KR" altLang="en-US" dirty="0"/>
+              <a:t> 변환</a:t>
+            </a:r>
+            <a:endParaRPr lang="en-US" altLang="ko-KR" dirty="0"/>
+          </a:p>
+          <a:p>
+            <a:pPr lvl="1"/>
+            <a:r>
+              <a:rPr lang="en-US" altLang="ko-KR" dirty="0"/>
+              <a:t>8.6.2 </a:t>
+            </a:r>
+            <a:r>
+              <a:rPr lang="ko-KR" altLang="en-US" dirty="0"/>
+              <a:t>일반화된 </a:t>
+            </a:r>
+            <a:r>
+              <a:rPr lang="ko-KR" altLang="en-US" dirty="0" err="1"/>
+              <a:t>어파인</a:t>
+            </a:r>
+            <a:r>
+              <a:rPr lang="ko-KR" altLang="en-US" dirty="0"/>
+              <a:t> 변환</a:t>
+            </a:r>
+            <a:endParaRPr lang="en-US" altLang="ko-KR" dirty="0">
+              <a:solidFill>
+                <a:srgbClr val="FF0000"/>
+              </a:solidFill>
+            </a:endParaRPr>
+          </a:p>
+        </p:txBody>
+      </p:sp>
+      <p:sp>
+        <p:nvSpPr>
+          <p:cNvPr id="4" name="직사각형 3">
+            <a:extLst>
+              <a:ext uri="{FF2B5EF4-FFF2-40B4-BE49-F238E27FC236}">
+                <a16:creationId xmlns:a16="http://schemas.microsoft.com/office/drawing/2014/main" id="{D9AF9C2F-D24D-CF46-DC46-4D74BDE67D6B}"/>
+              </a:ext>
+            </a:extLst>
+          </p:cNvPr>
+          <p:cNvSpPr/>
+          <p:nvPr/>
+        </p:nvSpPr>
+        <p:spPr>
+          <a:xfrm>
+            <a:off x="899592" y="1993404"/>
+            <a:ext cx="8136904" cy="2631490"/>
+          </a:xfrm>
+          <a:prstGeom prst="rect">
+            <a:avLst/>
+          </a:prstGeom>
+        </p:spPr>
+        <p:txBody>
+          <a:bodyPr wrap="square">
+            <a:spAutoFit/>
+          </a:bodyPr>
+          <a:lstStyle/>
+          <a:p>
+            <a:r>
+              <a:rPr lang="en-US" altLang="ko-KR" sz="1100" b="0" dirty="0">
+                <a:solidFill>
+                  <a:srgbClr val="CC9B00"/>
+                </a:solidFill>
+                <a:effectLst/>
+                <a:latin typeface="ubuntu mono derivative powerline" panose="020B0509030602030204" pitchFamily="49" charset="0"/>
+              </a:rPr>
+              <a:t>import</a:t>
+            </a:r>
+            <a:r>
+              <a:rPr lang="en-US" altLang="ko-KR" sz="1100" b="0" dirty="0">
+                <a:effectLst/>
+                <a:latin typeface="ubuntu mono derivative powerline" panose="020B0509030602030204" pitchFamily="49" charset="0"/>
+              </a:rPr>
+              <a:t> </a:t>
+            </a:r>
+            <a:r>
+              <a:rPr lang="en-US" altLang="ko-KR" sz="1100" b="0" dirty="0" err="1">
+                <a:solidFill>
+                  <a:srgbClr val="7030A0"/>
+                </a:solidFill>
+                <a:effectLst/>
+                <a:latin typeface="ubuntu mono derivative powerline" panose="020B0509030602030204" pitchFamily="49" charset="0"/>
+              </a:rPr>
+              <a:t>numpy</a:t>
+            </a:r>
+            <a:r>
+              <a:rPr lang="en-US" altLang="ko-KR" sz="1100" b="0" dirty="0">
+                <a:effectLst/>
+                <a:latin typeface="ubuntu mono derivative powerline" panose="020B0509030602030204" pitchFamily="49" charset="0"/>
+              </a:rPr>
+              <a:t> </a:t>
+            </a:r>
+            <a:r>
+              <a:rPr lang="en-US" altLang="ko-KR" sz="1100" b="0" dirty="0">
+                <a:solidFill>
+                  <a:srgbClr val="CC9B00"/>
+                </a:solidFill>
+                <a:effectLst/>
+                <a:latin typeface="ubuntu mono derivative powerline" panose="020B0509030602030204" pitchFamily="49" charset="0"/>
+              </a:rPr>
+              <a:t>as</a:t>
+            </a:r>
+            <a:r>
+              <a:rPr lang="en-US" altLang="ko-KR" sz="1100" b="0" dirty="0">
+                <a:effectLst/>
+                <a:latin typeface="ubuntu mono derivative powerline" panose="020B0509030602030204" pitchFamily="49" charset="0"/>
+              </a:rPr>
+              <a:t> </a:t>
+            </a:r>
+            <a:r>
+              <a:rPr lang="en-US" altLang="ko-KR" sz="1100" b="0" dirty="0">
+                <a:solidFill>
+                  <a:srgbClr val="7030A0"/>
+                </a:solidFill>
+                <a:effectLst/>
+                <a:latin typeface="ubuntu mono derivative powerline" panose="020B0509030602030204" pitchFamily="49" charset="0"/>
+              </a:rPr>
+              <a:t>np</a:t>
+            </a:r>
+            <a:r>
+              <a:rPr lang="en-US" altLang="ko-KR" sz="1100" b="0" dirty="0">
+                <a:effectLst/>
+                <a:latin typeface="ubuntu mono derivative powerline" panose="020B0509030602030204" pitchFamily="49" charset="0"/>
+              </a:rPr>
+              <a:t>, </a:t>
+            </a:r>
+            <a:r>
+              <a:rPr lang="en-US" altLang="ko-KR" sz="1100" b="0" dirty="0">
+                <a:solidFill>
+                  <a:srgbClr val="7030A0"/>
+                </a:solidFill>
+                <a:effectLst/>
+                <a:latin typeface="ubuntu mono derivative powerline" panose="020B0509030602030204" pitchFamily="49" charset="0"/>
+              </a:rPr>
+              <a:t>cv2</a:t>
+            </a:r>
+          </a:p>
+          <a:p>
+            <a:r>
+              <a:rPr lang="en-US" altLang="ko-KR" sz="1100" b="0" dirty="0">
+                <a:solidFill>
+                  <a:srgbClr val="CC9B00"/>
+                </a:solidFill>
+                <a:effectLst/>
+                <a:latin typeface="ubuntu mono derivative powerline" panose="020B0509030602030204" pitchFamily="49" charset="0"/>
+              </a:rPr>
+              <a:t>import</a:t>
+            </a:r>
+            <a:r>
+              <a:rPr lang="en-US" altLang="ko-KR" sz="1100" b="0" dirty="0">
+                <a:effectLst/>
+                <a:latin typeface="ubuntu mono derivative powerline" panose="020B0509030602030204" pitchFamily="49" charset="0"/>
+              </a:rPr>
+              <a:t> </a:t>
+            </a:r>
+            <a:r>
+              <a:rPr lang="en-US" altLang="ko-KR" sz="1100" b="0" dirty="0" err="1">
+                <a:solidFill>
+                  <a:srgbClr val="7030A0"/>
+                </a:solidFill>
+                <a:effectLst/>
+                <a:latin typeface="ubuntu mono derivative powerline" panose="020B0509030602030204" pitchFamily="49" charset="0"/>
+              </a:rPr>
+              <a:t>matplotlib.pyplot</a:t>
+            </a:r>
+            <a:r>
+              <a:rPr lang="en-US" altLang="ko-KR" sz="1100" b="0" dirty="0">
+                <a:effectLst/>
+                <a:latin typeface="ubuntu mono derivative powerline" panose="020B0509030602030204" pitchFamily="49" charset="0"/>
+              </a:rPr>
+              <a:t> </a:t>
+            </a:r>
+            <a:r>
+              <a:rPr lang="en-US" altLang="ko-KR" sz="1100" b="0" dirty="0">
+                <a:solidFill>
+                  <a:srgbClr val="CC9B00"/>
+                </a:solidFill>
+                <a:effectLst/>
+                <a:latin typeface="ubuntu mono derivative powerline" panose="020B0509030602030204" pitchFamily="49" charset="0"/>
+              </a:rPr>
+              <a:t>as</a:t>
+            </a:r>
+            <a:r>
+              <a:rPr lang="en-US" altLang="ko-KR" sz="1100" b="0" dirty="0">
+                <a:effectLst/>
+                <a:latin typeface="ubuntu mono derivative powerline" panose="020B0509030602030204" pitchFamily="49" charset="0"/>
+              </a:rPr>
+              <a:t> </a:t>
+            </a:r>
+            <a:r>
+              <a:rPr lang="en-US" altLang="ko-KR" sz="1100" b="0" dirty="0" err="1">
+                <a:solidFill>
+                  <a:srgbClr val="7030A0"/>
+                </a:solidFill>
+                <a:effectLst/>
+                <a:latin typeface="ubuntu mono derivative powerline" panose="020B0509030602030204" pitchFamily="49" charset="0"/>
+              </a:rPr>
+              <a:t>plt</a:t>
+            </a:r>
+            <a:endParaRPr lang="en-US" altLang="ko-KR" sz="1100" b="0" dirty="0">
+              <a:solidFill>
+                <a:srgbClr val="7030A0"/>
+              </a:solidFill>
+              <a:effectLst/>
+              <a:latin typeface="ubuntu mono derivative powerline" panose="020B0509030602030204" pitchFamily="49" charset="0"/>
+            </a:endParaRPr>
+          </a:p>
+          <a:p>
+            <a:br>
+              <a:rPr lang="en-US" altLang="ko-KR" sz="1100" b="0" dirty="0">
+                <a:effectLst/>
+                <a:latin typeface="ubuntu mono derivative powerline" panose="020B0509030602030204" pitchFamily="49" charset="0"/>
+              </a:rPr>
+            </a:br>
+            <a:r>
+              <a:rPr lang="en-US" altLang="ko-KR" sz="1100" b="0" dirty="0">
+                <a:effectLst/>
+                <a:latin typeface="ubuntu mono derivative powerline" panose="020B0509030602030204" pitchFamily="49" charset="0"/>
+              </a:rPr>
+              <a:t>image = </a:t>
+            </a:r>
+            <a:r>
+              <a:rPr lang="en-US" altLang="ko-KR" sz="1100" b="0" dirty="0">
+                <a:solidFill>
+                  <a:srgbClr val="7030A0"/>
+                </a:solidFill>
+                <a:effectLst/>
+                <a:latin typeface="ubuntu mono derivative powerline" panose="020B0509030602030204" pitchFamily="49" charset="0"/>
+              </a:rPr>
+              <a:t>cv2</a:t>
+            </a:r>
+            <a:r>
+              <a:rPr lang="en-US" altLang="ko-KR" sz="1100" b="0" dirty="0">
+                <a:effectLst/>
+                <a:latin typeface="ubuntu mono derivative powerline" panose="020B0509030602030204" pitchFamily="49" charset="0"/>
+              </a:rPr>
+              <a:t>.</a:t>
+            </a:r>
+            <a:r>
+              <a:rPr lang="en-US" altLang="ko-KR" sz="1100" b="0" dirty="0">
+                <a:solidFill>
+                  <a:srgbClr val="0000FF"/>
+                </a:solidFill>
+                <a:effectLst/>
+                <a:latin typeface="ubuntu mono derivative powerline" panose="020B0509030602030204" pitchFamily="49" charset="0"/>
+              </a:rPr>
+              <a:t>imread</a:t>
+            </a:r>
+            <a:r>
+              <a:rPr lang="en-US" altLang="ko-KR" sz="1100" b="0" dirty="0">
+                <a:effectLst/>
+                <a:latin typeface="ubuntu mono derivative powerline" panose="020B0509030602030204" pitchFamily="49" charset="0"/>
+              </a:rPr>
+              <a:t>("</a:t>
+            </a:r>
+            <a:r>
+              <a:rPr lang="ko-KR" altLang="en-US" sz="1100" b="0" dirty="0">
+                <a:effectLst/>
+                <a:latin typeface="ubuntu mono derivative powerline" panose="020B0509030602030204" pitchFamily="49" charset="0"/>
+              </a:rPr>
+              <a:t>이미지 경로</a:t>
+            </a:r>
+            <a:r>
+              <a:rPr lang="en-US" altLang="ko-KR" sz="1100" b="0" dirty="0">
+                <a:effectLst/>
+                <a:latin typeface="ubuntu mono derivative powerline" panose="020B0509030602030204" pitchFamily="49" charset="0"/>
+              </a:rPr>
+              <a:t>", </a:t>
+            </a:r>
+            <a:r>
+              <a:rPr lang="en-US" altLang="ko-KR" sz="1100" b="0" dirty="0">
+                <a:solidFill>
+                  <a:srgbClr val="7030A0"/>
+                </a:solidFill>
+                <a:effectLst/>
+                <a:latin typeface="ubuntu mono derivative powerline" panose="020B0509030602030204" pitchFamily="49" charset="0"/>
+              </a:rPr>
+              <a:t>cv2</a:t>
+            </a:r>
+            <a:r>
+              <a:rPr lang="en-US" altLang="ko-KR" sz="1100" b="0" dirty="0">
+                <a:effectLst/>
+                <a:latin typeface="ubuntu mono derivative powerline" panose="020B0509030602030204" pitchFamily="49" charset="0"/>
+              </a:rPr>
+              <a:t>.</a:t>
+            </a:r>
+            <a:r>
+              <a:rPr lang="en-US" altLang="ko-KR" sz="1100" b="0" dirty="0">
+                <a:solidFill>
+                  <a:srgbClr val="0000FF"/>
+                </a:solidFill>
+                <a:effectLst/>
+                <a:latin typeface="ubuntu mono derivative powerline" panose="020B0509030602030204" pitchFamily="49" charset="0"/>
+              </a:rPr>
+              <a:t>IMREAD_COLOR</a:t>
+            </a:r>
+            <a:r>
+              <a:rPr lang="en-US" altLang="ko-KR" sz="1100" b="0" dirty="0">
+                <a:effectLst/>
+                <a:latin typeface="ubuntu mono derivative powerline" panose="020B0509030602030204" pitchFamily="49" charset="0"/>
+              </a:rPr>
+              <a:t>)</a:t>
+            </a:r>
+          </a:p>
+          <a:p>
+            <a:r>
+              <a:rPr lang="en-US" altLang="ko-KR" sz="1100" b="0" dirty="0">
+                <a:effectLst/>
+                <a:latin typeface="ubuntu mono derivative powerline" panose="020B0509030602030204" pitchFamily="49" charset="0"/>
+              </a:rPr>
+              <a:t>image = </a:t>
+            </a:r>
+            <a:r>
+              <a:rPr lang="en-US" altLang="ko-KR" sz="1100" b="0" dirty="0">
+                <a:solidFill>
+                  <a:srgbClr val="7030A0"/>
+                </a:solidFill>
+                <a:effectLst/>
+                <a:latin typeface="ubuntu mono derivative powerline" panose="020B0509030602030204" pitchFamily="49" charset="0"/>
+              </a:rPr>
+              <a:t>cv2</a:t>
+            </a:r>
+            <a:r>
+              <a:rPr lang="en-US" altLang="ko-KR" sz="1100" b="0" dirty="0">
+                <a:effectLst/>
+                <a:latin typeface="ubuntu mono derivative powerline" panose="020B0509030602030204" pitchFamily="49" charset="0"/>
+              </a:rPr>
+              <a:t>.</a:t>
+            </a:r>
+            <a:r>
+              <a:rPr lang="en-US" altLang="ko-KR" sz="1100" b="0" dirty="0">
+                <a:solidFill>
+                  <a:srgbClr val="0000FF"/>
+                </a:solidFill>
+                <a:effectLst/>
+                <a:latin typeface="ubuntu mono derivative powerline" panose="020B0509030602030204" pitchFamily="49" charset="0"/>
+              </a:rPr>
+              <a:t>cvtColor</a:t>
+            </a:r>
+            <a:r>
+              <a:rPr lang="en-US" altLang="ko-KR" sz="1100" b="0" dirty="0">
+                <a:effectLst/>
+                <a:latin typeface="ubuntu mono derivative powerline" panose="020B0509030602030204" pitchFamily="49" charset="0"/>
+              </a:rPr>
+              <a:t>(image, </a:t>
+            </a:r>
+            <a:r>
+              <a:rPr lang="en-US" altLang="ko-KR" sz="1100" b="0" dirty="0">
+                <a:solidFill>
+                  <a:srgbClr val="7030A0"/>
+                </a:solidFill>
+                <a:effectLst/>
+                <a:latin typeface="ubuntu mono derivative powerline" panose="020B0509030602030204" pitchFamily="49" charset="0"/>
+              </a:rPr>
+              <a:t>cv2</a:t>
+            </a:r>
+            <a:r>
+              <a:rPr lang="en-US" altLang="ko-KR" sz="1100" b="0" dirty="0">
+                <a:effectLst/>
+                <a:latin typeface="ubuntu mono derivative powerline" panose="020B0509030602030204" pitchFamily="49" charset="0"/>
+              </a:rPr>
+              <a:t>.</a:t>
+            </a:r>
+            <a:r>
+              <a:rPr lang="en-US" altLang="ko-KR" sz="1100" b="0" dirty="0">
+                <a:solidFill>
+                  <a:srgbClr val="0000FF"/>
+                </a:solidFill>
+                <a:effectLst/>
+                <a:latin typeface="ubuntu mono derivative powerline" panose="020B0509030602030204" pitchFamily="49" charset="0"/>
+              </a:rPr>
+              <a:t>COLOR_BGR2RGB</a:t>
+            </a:r>
+            <a:r>
+              <a:rPr lang="en-US" altLang="ko-KR" sz="1100" b="0" dirty="0">
+                <a:effectLst/>
+                <a:latin typeface="ubuntu mono derivative powerline" panose="020B0509030602030204" pitchFamily="49" charset="0"/>
+              </a:rPr>
+              <a:t>)</a:t>
+            </a:r>
+          </a:p>
+          <a:p>
+            <a:r>
+              <a:rPr lang="en-US" altLang="ko-KR" sz="1100" b="0" dirty="0">
+                <a:effectLst/>
+                <a:latin typeface="ubuntu mono derivative powerline" panose="020B0509030602030204" pitchFamily="49" charset="0"/>
+              </a:rPr>
+              <a:t>h, w, c = </a:t>
+            </a:r>
+            <a:r>
+              <a:rPr lang="en-US" altLang="ko-KR" sz="1100" b="0" dirty="0" err="1">
+                <a:effectLst/>
+                <a:latin typeface="ubuntu mono derivative powerline" panose="020B0509030602030204" pitchFamily="49" charset="0"/>
+              </a:rPr>
+              <a:t>image.</a:t>
+            </a:r>
+            <a:r>
+              <a:rPr lang="en-US" altLang="ko-KR" sz="1100" b="0" dirty="0" err="1">
+                <a:solidFill>
+                  <a:srgbClr val="0000FF"/>
+                </a:solidFill>
+                <a:effectLst/>
+                <a:latin typeface="ubuntu mono derivative powerline" panose="020B0509030602030204" pitchFamily="49" charset="0"/>
+              </a:rPr>
+              <a:t>shape</a:t>
+            </a:r>
+            <a:endParaRPr lang="en-US" altLang="ko-KR" sz="1100" b="0" dirty="0">
+              <a:solidFill>
+                <a:srgbClr val="0000FF"/>
+              </a:solidFill>
+              <a:effectLst/>
+              <a:latin typeface="ubuntu mono derivative powerline" panose="020B0509030602030204" pitchFamily="49" charset="0"/>
+            </a:endParaRPr>
+          </a:p>
+          <a:p>
+            <a:endParaRPr lang="en-US" altLang="ko-KR" sz="1100" dirty="0">
+              <a:latin typeface="ubuntu mono derivative powerline" panose="020B0509030602030204" pitchFamily="49" charset="0"/>
+            </a:endParaRPr>
+          </a:p>
+          <a:p>
+            <a:r>
+              <a:rPr lang="en-US" altLang="ko-KR" sz="1100" b="0" dirty="0">
+                <a:effectLst/>
+                <a:latin typeface="ubuntu mono derivative powerline" panose="020B0509030602030204" pitchFamily="49" charset="0"/>
+              </a:rPr>
+              <a:t>titles = ["image"]</a:t>
+            </a:r>
+          </a:p>
+          <a:p>
+            <a:r>
+              <a:rPr lang="en-US" altLang="ko-KR" sz="1100" b="0" dirty="0" err="1">
+                <a:solidFill>
+                  <a:srgbClr val="7030A0"/>
+                </a:solidFill>
+                <a:effectLst/>
+                <a:latin typeface="ubuntu mono derivative powerline" panose="020B0509030602030204" pitchFamily="49" charset="0"/>
+              </a:rPr>
+              <a:t>plt</a:t>
+            </a:r>
+            <a:r>
+              <a:rPr lang="en-US" altLang="ko-KR" sz="1100" b="0" dirty="0" err="1">
+                <a:effectLst/>
+                <a:latin typeface="ubuntu mono derivative powerline" panose="020B0509030602030204" pitchFamily="49" charset="0"/>
+              </a:rPr>
+              <a:t>.</a:t>
+            </a:r>
+            <a:r>
+              <a:rPr lang="en-US" altLang="ko-KR" sz="1100" b="0" dirty="0" err="1">
+                <a:solidFill>
+                  <a:srgbClr val="0000FF"/>
+                </a:solidFill>
+                <a:effectLst/>
+                <a:latin typeface="ubuntu mono derivative powerline" panose="020B0509030602030204" pitchFamily="49" charset="0"/>
+              </a:rPr>
+              <a:t>figure</a:t>
+            </a:r>
+            <a:r>
+              <a:rPr lang="en-US" altLang="ko-KR" sz="1100" b="0" dirty="0">
+                <a:effectLst/>
+                <a:latin typeface="ubuntu mono derivative powerline" panose="020B0509030602030204" pitchFamily="49" charset="0"/>
+              </a:rPr>
+              <a:t>(</a:t>
+            </a:r>
+            <a:r>
+              <a:rPr lang="en-US" altLang="ko-KR" sz="1100" b="0" dirty="0" err="1">
+                <a:effectLst/>
+                <a:latin typeface="ubuntu mono derivative powerline" panose="020B0509030602030204" pitchFamily="49" charset="0"/>
+              </a:rPr>
+              <a:t>figsize</a:t>
+            </a:r>
+            <a:r>
+              <a:rPr lang="en-US" altLang="ko-KR" sz="1100" b="0" dirty="0">
+                <a:effectLst/>
+                <a:latin typeface="ubuntu mono derivative powerline" panose="020B0509030602030204" pitchFamily="49" charset="0"/>
+              </a:rPr>
+              <a:t>=(12, 6))</a:t>
+            </a:r>
+          </a:p>
+          <a:p>
+            <a:r>
+              <a:rPr lang="en-US" altLang="ko-KR" sz="1100" b="0" dirty="0">
+                <a:solidFill>
+                  <a:srgbClr val="0000FF"/>
+                </a:solidFill>
+                <a:effectLst/>
+                <a:latin typeface="ubuntu mono derivative powerline" panose="020B0509030602030204" pitchFamily="49" charset="0"/>
+              </a:rPr>
+              <a:t>for</a:t>
+            </a:r>
+            <a:r>
+              <a:rPr lang="en-US" altLang="ko-KR" sz="1100" b="0" dirty="0">
+                <a:effectLst/>
+                <a:latin typeface="ubuntu mono derivative powerline" panose="020B0509030602030204" pitchFamily="49" charset="0"/>
+              </a:rPr>
+              <a:t> </a:t>
+            </a:r>
+            <a:r>
+              <a:rPr lang="en-US" altLang="ko-KR" sz="1100" b="0" dirty="0" err="1">
+                <a:effectLst/>
+                <a:latin typeface="ubuntu mono derivative powerline" panose="020B0509030602030204" pitchFamily="49" charset="0"/>
+              </a:rPr>
+              <a:t>idx</a:t>
+            </a:r>
+            <a:r>
+              <a:rPr lang="en-US" altLang="ko-KR" sz="1100" b="0" dirty="0">
+                <a:effectLst/>
+                <a:latin typeface="ubuntu mono derivative powerline" panose="020B0509030602030204" pitchFamily="49" charset="0"/>
+              </a:rPr>
+              <a:t>, title </a:t>
+            </a:r>
+            <a:r>
+              <a:rPr lang="en-US" altLang="ko-KR" sz="1100" b="0" dirty="0">
+                <a:solidFill>
+                  <a:srgbClr val="0000FF"/>
+                </a:solidFill>
+                <a:effectLst/>
+                <a:latin typeface="ubuntu mono derivative powerline" panose="020B0509030602030204" pitchFamily="49" charset="0"/>
+              </a:rPr>
+              <a:t>in</a:t>
+            </a:r>
+            <a:r>
+              <a:rPr lang="en-US" altLang="ko-KR" sz="1100" b="0" dirty="0">
+                <a:effectLst/>
+                <a:latin typeface="ubuntu mono derivative powerline" panose="020B0509030602030204" pitchFamily="49" charset="0"/>
+              </a:rPr>
+              <a:t> </a:t>
+            </a:r>
+            <a:r>
+              <a:rPr lang="en-US" altLang="ko-KR" sz="1100" b="0" dirty="0">
+                <a:solidFill>
+                  <a:srgbClr val="0000FF"/>
+                </a:solidFill>
+                <a:effectLst/>
+                <a:latin typeface="ubuntu mono derivative powerline" panose="020B0509030602030204" pitchFamily="49" charset="0"/>
+              </a:rPr>
+              <a:t>enumerate</a:t>
+            </a:r>
+            <a:r>
+              <a:rPr lang="en-US" altLang="ko-KR" sz="1100" b="0" dirty="0">
+                <a:effectLst/>
+                <a:latin typeface="ubuntu mono derivative powerline" panose="020B0509030602030204" pitchFamily="49" charset="0"/>
+              </a:rPr>
+              <a:t>(titles):</a:t>
+            </a:r>
+          </a:p>
+          <a:p>
+            <a:r>
+              <a:rPr lang="en-US" altLang="ko-KR" sz="1100" b="0" dirty="0">
+                <a:effectLst/>
+                <a:latin typeface="ubuntu mono derivative powerline" panose="020B0509030602030204" pitchFamily="49" charset="0"/>
+              </a:rPr>
+              <a:t>    </a:t>
+            </a:r>
+            <a:r>
+              <a:rPr lang="en-US" altLang="ko-KR" sz="1100" b="0" dirty="0" err="1">
+                <a:solidFill>
+                  <a:srgbClr val="7030A0"/>
+                </a:solidFill>
+                <a:effectLst/>
+                <a:latin typeface="ubuntu mono derivative powerline" panose="020B0509030602030204" pitchFamily="49" charset="0"/>
+              </a:rPr>
+              <a:t>plt</a:t>
+            </a:r>
+            <a:r>
+              <a:rPr lang="en-US" altLang="ko-KR" sz="1100" b="0" dirty="0" err="1">
+                <a:effectLst/>
+                <a:latin typeface="ubuntu mono derivative powerline" panose="020B0509030602030204" pitchFamily="49" charset="0"/>
+              </a:rPr>
+              <a:t>.</a:t>
+            </a:r>
+            <a:r>
+              <a:rPr lang="en-US" altLang="ko-KR" sz="1100" b="0" dirty="0" err="1">
+                <a:solidFill>
+                  <a:srgbClr val="0000FF"/>
+                </a:solidFill>
+                <a:effectLst/>
+                <a:latin typeface="ubuntu mono derivative powerline" panose="020B0509030602030204" pitchFamily="49" charset="0"/>
+              </a:rPr>
+              <a:t>subplot</a:t>
+            </a:r>
+            <a:r>
+              <a:rPr lang="en-US" altLang="ko-KR" sz="1100" b="0" dirty="0">
+                <a:effectLst/>
+                <a:latin typeface="ubuntu mono derivative powerline" panose="020B0509030602030204" pitchFamily="49" charset="0"/>
+              </a:rPr>
+              <a:t>(1, 2, idx+1)</a:t>
+            </a:r>
+          </a:p>
+          <a:p>
+            <a:r>
+              <a:rPr lang="en-US" altLang="ko-KR" sz="1100" b="0" dirty="0">
+                <a:effectLst/>
+                <a:latin typeface="ubuntu mono derivative powerline" panose="020B0509030602030204" pitchFamily="49" charset="0"/>
+              </a:rPr>
+              <a:t>    </a:t>
+            </a:r>
+            <a:r>
+              <a:rPr lang="en-US" altLang="ko-KR" sz="1100" b="0" dirty="0" err="1">
+                <a:solidFill>
+                  <a:srgbClr val="7030A0"/>
+                </a:solidFill>
+                <a:effectLst/>
+                <a:latin typeface="ubuntu mono derivative powerline" panose="020B0509030602030204" pitchFamily="49" charset="0"/>
+              </a:rPr>
+              <a:t>plt</a:t>
+            </a:r>
+            <a:r>
+              <a:rPr lang="en-US" altLang="ko-KR" sz="1100" b="0" dirty="0" err="1">
+                <a:effectLst/>
+                <a:latin typeface="ubuntu mono derivative powerline" panose="020B0509030602030204" pitchFamily="49" charset="0"/>
+              </a:rPr>
+              <a:t>.</a:t>
+            </a:r>
+            <a:r>
+              <a:rPr lang="en-US" altLang="ko-KR" sz="1100" b="0" dirty="0" err="1">
+                <a:solidFill>
+                  <a:srgbClr val="0000FF"/>
+                </a:solidFill>
+                <a:effectLst/>
+                <a:latin typeface="ubuntu mono derivative powerline" panose="020B0509030602030204" pitchFamily="49" charset="0"/>
+              </a:rPr>
+              <a:t>axis</a:t>
+            </a:r>
+            <a:r>
+              <a:rPr lang="en-US" altLang="ko-KR" sz="1100" b="0" dirty="0">
+                <a:effectLst/>
+                <a:latin typeface="ubuntu mono derivative powerline" panose="020B0509030602030204" pitchFamily="49" charset="0"/>
+              </a:rPr>
+              <a:t>("off")</a:t>
+            </a:r>
+          </a:p>
+          <a:p>
+            <a:r>
+              <a:rPr lang="en-US" altLang="ko-KR" sz="1100" b="0" dirty="0">
+                <a:effectLst/>
+                <a:latin typeface="ubuntu mono derivative powerline" panose="020B0509030602030204" pitchFamily="49" charset="0"/>
+              </a:rPr>
+              <a:t>    </a:t>
+            </a:r>
+            <a:r>
+              <a:rPr lang="en-US" altLang="ko-KR" sz="1100" b="0" dirty="0" err="1">
+                <a:solidFill>
+                  <a:srgbClr val="7030A0"/>
+                </a:solidFill>
+                <a:effectLst/>
+                <a:latin typeface="ubuntu mono derivative powerline" panose="020B0509030602030204" pitchFamily="49" charset="0"/>
+              </a:rPr>
+              <a:t>plt</a:t>
+            </a:r>
+            <a:r>
+              <a:rPr lang="en-US" altLang="ko-KR" sz="1100" b="0" dirty="0" err="1">
+                <a:effectLst/>
+                <a:latin typeface="ubuntu mono derivative powerline" panose="020B0509030602030204" pitchFamily="49" charset="0"/>
+              </a:rPr>
+              <a:t>.</a:t>
+            </a:r>
+            <a:r>
+              <a:rPr lang="en-US" altLang="ko-KR" sz="1100" b="0" dirty="0" err="1">
+                <a:solidFill>
+                  <a:srgbClr val="0000FF"/>
+                </a:solidFill>
+                <a:effectLst/>
+                <a:latin typeface="ubuntu mono derivative powerline" panose="020B0509030602030204" pitchFamily="49" charset="0"/>
+              </a:rPr>
+              <a:t>title</a:t>
+            </a:r>
+            <a:r>
+              <a:rPr lang="en-US" altLang="ko-KR" sz="1100" b="0" dirty="0">
+                <a:effectLst/>
+                <a:latin typeface="ubuntu mono derivative powerline" panose="020B0509030602030204" pitchFamily="49" charset="0"/>
+              </a:rPr>
+              <a:t>(title)</a:t>
+            </a:r>
+          </a:p>
+          <a:p>
+            <a:r>
+              <a:rPr lang="en-US" altLang="ko-KR" sz="1100" b="0" dirty="0">
+                <a:effectLst/>
+                <a:latin typeface="ubuntu mono derivative powerline" panose="020B0509030602030204" pitchFamily="49" charset="0"/>
+              </a:rPr>
+              <a:t>    </a:t>
+            </a:r>
+            <a:r>
+              <a:rPr lang="en-US" altLang="ko-KR" sz="1100" b="0" dirty="0" err="1">
+                <a:solidFill>
+                  <a:srgbClr val="7030A0"/>
+                </a:solidFill>
+                <a:effectLst/>
+                <a:latin typeface="ubuntu mono derivative powerline" panose="020B0509030602030204" pitchFamily="49" charset="0"/>
+              </a:rPr>
+              <a:t>plt</a:t>
+            </a:r>
+            <a:r>
+              <a:rPr lang="en-US" altLang="ko-KR" sz="1100" b="0" dirty="0" err="1">
+                <a:effectLst/>
+                <a:latin typeface="ubuntu mono derivative powerline" panose="020B0509030602030204" pitchFamily="49" charset="0"/>
+              </a:rPr>
+              <a:t>.</a:t>
+            </a:r>
+            <a:r>
+              <a:rPr lang="en-US" altLang="ko-KR" sz="1100" b="0" dirty="0" err="1">
+                <a:solidFill>
+                  <a:srgbClr val="0000FF"/>
+                </a:solidFill>
+                <a:effectLst/>
+                <a:latin typeface="ubuntu mono derivative powerline" panose="020B0509030602030204" pitchFamily="49" charset="0"/>
+              </a:rPr>
+              <a:t>imshow</a:t>
+            </a:r>
+            <a:r>
+              <a:rPr lang="en-US" altLang="ko-KR" sz="1100" b="0" dirty="0">
+                <a:effectLst/>
+                <a:latin typeface="ubuntu mono derivative powerline" panose="020B0509030602030204" pitchFamily="49" charset="0"/>
+              </a:rPr>
+              <a:t>(eval(title))</a:t>
+            </a:r>
+          </a:p>
+          <a:p>
+            <a:r>
+              <a:rPr lang="en-US" altLang="ko-KR" sz="1100" b="0" dirty="0" err="1">
+                <a:solidFill>
+                  <a:srgbClr val="7030A0"/>
+                </a:solidFill>
+                <a:effectLst/>
+                <a:latin typeface="ubuntu mono derivative powerline" panose="020B0509030602030204" pitchFamily="49" charset="0"/>
+              </a:rPr>
+              <a:t>plt</a:t>
+            </a:r>
+            <a:r>
+              <a:rPr lang="en-US" altLang="ko-KR" sz="1100" b="0" dirty="0" err="1">
+                <a:effectLst/>
+                <a:latin typeface="ubuntu mono derivative powerline" panose="020B0509030602030204" pitchFamily="49" charset="0"/>
+              </a:rPr>
+              <a:t>.</a:t>
+            </a:r>
+            <a:r>
+              <a:rPr lang="en-US" altLang="ko-KR" sz="1100" b="0" dirty="0" err="1">
+                <a:solidFill>
+                  <a:srgbClr val="0000FF"/>
+                </a:solidFill>
+                <a:effectLst/>
+                <a:latin typeface="ubuntu mono derivative powerline" panose="020B0509030602030204" pitchFamily="49" charset="0"/>
+              </a:rPr>
+              <a:t>show</a:t>
+            </a:r>
+            <a:r>
+              <a:rPr lang="en-US" altLang="ko-KR" sz="1100" b="0" dirty="0">
+                <a:effectLst/>
+                <a:latin typeface="ubuntu mono derivative powerline" panose="020B0509030602030204" pitchFamily="49" charset="0"/>
+              </a:rPr>
+              <a:t>()</a:t>
+            </a:r>
+          </a:p>
+        </p:txBody>
+      </p:sp>
+      <p:pic>
+        <p:nvPicPr>
+          <p:cNvPr id="9" name="그림 8">
+            <a:extLst>
+              <a:ext uri="{FF2B5EF4-FFF2-40B4-BE49-F238E27FC236}">
+                <a16:creationId xmlns:a16="http://schemas.microsoft.com/office/drawing/2014/main" id="{3C39C8DA-1989-E16D-9EF8-5083D61E573B}"/>
+              </a:ext>
+            </a:extLst>
+          </p:cNvPr>
+          <p:cNvPicPr>
+            <a:picLocks noChangeAspect="1"/>
+          </p:cNvPicPr>
+          <p:nvPr/>
+        </p:nvPicPr>
+        <p:blipFill>
+          <a:blip r:embed="rId2"/>
+          <a:stretch>
+            <a:fillRect/>
+          </a:stretch>
+        </p:blipFill>
+        <p:spPr>
+          <a:xfrm>
+            <a:off x="4450227" y="3014652"/>
+            <a:ext cx="4442429" cy="2468837"/>
+          </a:xfrm>
+          <a:prstGeom prst="rect">
+            <a:avLst/>
+          </a:prstGeom>
+        </p:spPr>
+      </p:pic>
+      <p:pic>
+        <p:nvPicPr>
+          <p:cNvPr id="16" name="그림 15">
+            <a:extLst>
+              <a:ext uri="{FF2B5EF4-FFF2-40B4-BE49-F238E27FC236}">
+                <a16:creationId xmlns:a16="http://schemas.microsoft.com/office/drawing/2014/main" id="{68C9104D-A5DE-43AF-E8A7-2B0F98C6C722}"/>
+              </a:ext>
+            </a:extLst>
+          </p:cNvPr>
+          <p:cNvPicPr>
+            <a:picLocks noChangeAspect="1"/>
+          </p:cNvPicPr>
+          <p:nvPr/>
+        </p:nvPicPr>
+        <p:blipFill>
+          <a:blip r:embed="rId3"/>
+          <a:stretch>
+            <a:fillRect/>
+          </a:stretch>
+        </p:blipFill>
+        <p:spPr>
+          <a:xfrm>
+            <a:off x="5255981" y="360471"/>
+            <a:ext cx="3659419" cy="2425021"/>
+          </a:xfrm>
+          <a:prstGeom prst="rect">
+            <a:avLst/>
+          </a:prstGeom>
+          <a:ln w="28575">
+            <a:solidFill>
+              <a:srgbClr val="FF0000"/>
+            </a:solidFill>
+          </a:ln>
+        </p:spPr>
+      </p:pic>
+      <p:sp>
+        <p:nvSpPr>
+          <p:cNvPr id="17" name="직사각형 16">
+            <a:extLst>
+              <a:ext uri="{FF2B5EF4-FFF2-40B4-BE49-F238E27FC236}">
+                <a16:creationId xmlns:a16="http://schemas.microsoft.com/office/drawing/2014/main" id="{3AC5F1C6-A26D-A608-CB3C-DC68FEA63722}"/>
+              </a:ext>
+            </a:extLst>
+          </p:cNvPr>
+          <p:cNvSpPr/>
+          <p:nvPr/>
+        </p:nvSpPr>
+        <p:spPr>
+          <a:xfrm>
+            <a:off x="5004048" y="3721596"/>
+            <a:ext cx="1585216" cy="1052828"/>
+          </a:xfrm>
+          <a:prstGeom prst="rect">
+            <a:avLst/>
+          </a:prstGeom>
+          <a:noFill/>
+          <a:ln>
+            <a:solidFill>
+              <a:srgbClr val="FF0000"/>
+            </a:solidFill>
+          </a:ln>
+        </p:spPr>
+        <p:style>
+          <a:lnRef idx="2">
+            <a:schemeClr val="accent1">
+              <a:shade val="50000"/>
+            </a:schemeClr>
+          </a:lnRef>
+          <a:fillRef idx="1">
+            <a:schemeClr val="accent1"/>
+          </a:fillRef>
+          <a:effectRef idx="0">
+            <a:schemeClr val="accent1"/>
+          </a:effectRef>
+          <a:fontRef idx="minor">
+            <a:schemeClr val="lt1"/>
+          </a:fontRef>
+        </p:style>
+        <p:txBody>
+          <a:bodyPr rtlCol="0" anchor="ctr"/>
+          <a:lstStyle/>
+          <a:p>
+            <a:pPr algn="ctr"/>
+            <a:endParaRPr lang="ko-KR" altLang="en-US"/>
+          </a:p>
+        </p:txBody>
+      </p:sp>
+      <p:cxnSp>
+        <p:nvCxnSpPr>
+          <p:cNvPr id="21" name="연결선: 꺾임 20">
+            <a:extLst>
+              <a:ext uri="{FF2B5EF4-FFF2-40B4-BE49-F238E27FC236}">
+                <a16:creationId xmlns:a16="http://schemas.microsoft.com/office/drawing/2014/main" id="{F7DBBA99-4D7D-7CF6-A5D0-50D492D60078}"/>
+              </a:ext>
+            </a:extLst>
+          </p:cNvPr>
+          <p:cNvCxnSpPr>
+            <a:cxnSpLocks/>
+            <a:stCxn id="17" idx="3"/>
+            <a:endCxn id="16" idx="2"/>
+          </p:cNvCxnSpPr>
+          <p:nvPr/>
+        </p:nvCxnSpPr>
+        <p:spPr>
+          <a:xfrm flipV="1">
+            <a:off x="6589264" y="2785492"/>
+            <a:ext cx="496427" cy="1462518"/>
+          </a:xfrm>
+          <a:prstGeom prst="bentConnector2">
+            <a:avLst/>
+          </a:prstGeom>
+          <a:ln w="28575">
+            <a:solidFill>
+              <a:srgbClr val="FF0000"/>
+            </a:solidFill>
+            <a:tailEnd type="triangle"/>
+          </a:ln>
+        </p:spPr>
+        <p:style>
+          <a:lnRef idx="1">
+            <a:schemeClr val="accent1"/>
+          </a:lnRef>
+          <a:fillRef idx="0">
+            <a:schemeClr val="accent1"/>
+          </a:fillRef>
+          <a:effectRef idx="0">
+            <a:schemeClr val="accent1"/>
+          </a:effectRef>
+          <a:fontRef idx="minor">
+            <a:schemeClr val="tx1"/>
+          </a:fontRef>
+        </p:style>
+      </p:cxnSp>
+    </p:spTree>
+    <p:extLst>
+      <p:ext uri="{BB962C8B-B14F-4D97-AF65-F5344CB8AC3E}">
+        <p14:creationId xmlns:p14="http://schemas.microsoft.com/office/powerpoint/2010/main" val="1053934053"/>
+      </p:ext>
+    </p:extLst>
+  </p:cSld>
+  <p:clrMapOvr>
+    <a:masterClrMapping/>
+  </p:clrMapOvr>
+</p:sld>
+</file>
+
+<file path=ppt/slides/slide17.xml><?xml version="1.0" encoding="utf-8"?>
+<p:sld xmlns:a="http://schemas.openxmlformats.org/drawingml/2006/main" xmlns:r="http://schemas.openxmlformats.org/officeDocument/2006/relationships" xmlns:p="http://schemas.openxmlformats.org/presentationml/2006/main">
+  <p:cSld>
+    <p:spTree>
+      <p:nvGrpSpPr>
+        <p:cNvPr id="1" name=""/>
+        <p:cNvGrpSpPr/>
+        <p:nvPr/>
+      </p:nvGrpSpPr>
+      <p:grpSpPr>
+        <a:xfrm>
+          <a:off x="0" y="0"/>
+          <a:ext cx="0" cy="0"/>
+          <a:chOff x="0" y="0"/>
+          <a:chExt cx="0" cy="0"/>
+        </a:xfrm>
+      </p:grpSpPr>
+      <p:sp>
+        <p:nvSpPr>
+          <p:cNvPr id="2" name="제목 1"/>
+          <p:cNvSpPr>
+            <a:spLocks noGrp="1"/>
+          </p:cNvSpPr>
+          <p:nvPr>
+            <p:ph type="title"/>
+          </p:nvPr>
+        </p:nvSpPr>
+        <p:spPr/>
+        <p:txBody>
+          <a:bodyPr/>
+          <a:lstStyle/>
+          <a:p>
+            <a:r>
+              <a:rPr lang="en-US" altLang="ko-KR" dirty="0"/>
+              <a:t>8. </a:t>
+            </a:r>
+            <a:r>
+              <a:rPr lang="ko-KR" altLang="en-US" dirty="0"/>
+              <a:t>기하학 처리</a:t>
+            </a:r>
+          </a:p>
+        </p:txBody>
+      </p:sp>
+      <p:sp>
+        <p:nvSpPr>
+          <p:cNvPr id="3" name="내용 개체 틀 2"/>
+          <p:cNvSpPr>
+            <a:spLocks noGrp="1"/>
+          </p:cNvSpPr>
+          <p:nvPr>
+            <p:ph idx="1"/>
+          </p:nvPr>
+        </p:nvSpPr>
+        <p:spPr/>
+        <p:txBody>
+          <a:bodyPr>
+            <a:normAutofit/>
+          </a:bodyPr>
+          <a:lstStyle/>
+          <a:p>
+            <a:r>
+              <a:rPr lang="en-US" altLang="ko-KR" dirty="0"/>
+              <a:t>8.6 </a:t>
+            </a:r>
+            <a:r>
+              <a:rPr lang="ko-KR" altLang="en-US" dirty="0" err="1"/>
+              <a:t>어파인</a:t>
+            </a:r>
+            <a:r>
+              <a:rPr lang="ko-KR" altLang="en-US" dirty="0"/>
+              <a:t> 변환</a:t>
+            </a:r>
+            <a:endParaRPr lang="en-US" altLang="ko-KR" dirty="0"/>
+          </a:p>
+          <a:p>
+            <a:pPr lvl="1"/>
+            <a:r>
+              <a:rPr lang="en-US" altLang="ko-KR" dirty="0"/>
+              <a:t>8.6.2 </a:t>
+            </a:r>
+            <a:r>
+              <a:rPr lang="ko-KR" altLang="en-US" dirty="0"/>
+              <a:t>일반화된 </a:t>
+            </a:r>
+            <a:r>
+              <a:rPr lang="ko-KR" altLang="en-US" dirty="0" err="1"/>
+              <a:t>어파인</a:t>
+            </a:r>
+            <a:r>
+              <a:rPr lang="ko-KR" altLang="en-US" dirty="0"/>
+              <a:t> 변환</a:t>
+            </a:r>
+            <a:endParaRPr lang="en-US" altLang="ko-KR" dirty="0">
+              <a:solidFill>
+                <a:srgbClr val="FF0000"/>
+              </a:solidFill>
+            </a:endParaRPr>
+          </a:p>
+        </p:txBody>
+      </p:sp>
+      <p:sp>
+        <p:nvSpPr>
+          <p:cNvPr id="4" name="직사각형 3">
+            <a:extLst>
+              <a:ext uri="{FF2B5EF4-FFF2-40B4-BE49-F238E27FC236}">
+                <a16:creationId xmlns:a16="http://schemas.microsoft.com/office/drawing/2014/main" id="{D9AF9C2F-D24D-CF46-DC46-4D74BDE67D6B}"/>
+              </a:ext>
+            </a:extLst>
+          </p:cNvPr>
+          <p:cNvSpPr/>
+          <p:nvPr/>
+        </p:nvSpPr>
+        <p:spPr>
+          <a:xfrm>
+            <a:off x="899592" y="1993404"/>
+            <a:ext cx="8136904" cy="3477875"/>
+          </a:xfrm>
+          <a:prstGeom prst="rect">
+            <a:avLst/>
+          </a:prstGeom>
+        </p:spPr>
+        <p:txBody>
+          <a:bodyPr wrap="square">
+            <a:spAutoFit/>
+          </a:bodyPr>
+          <a:lstStyle/>
+          <a:p>
+            <a:r>
+              <a:rPr lang="en-US" altLang="ko-KR" sz="1100" b="0" dirty="0">
+                <a:effectLst/>
+                <a:latin typeface="ubuntu mono derivative powerline" panose="020B0509030602030204" pitchFamily="49" charset="0"/>
+              </a:rPr>
+              <a:t>...</a:t>
+            </a:r>
+          </a:p>
+          <a:p>
+            <a:r>
+              <a:rPr lang="en-US" altLang="ko-KR" sz="1100" b="0" dirty="0">
+                <a:effectLst/>
+                <a:latin typeface="ubuntu mono derivative powerline" panose="020B0509030602030204" pitchFamily="49" charset="0"/>
+              </a:rPr>
+              <a:t>h, w, c = </a:t>
+            </a:r>
+            <a:r>
+              <a:rPr lang="en-US" altLang="ko-KR" sz="1100" b="0" dirty="0" err="1">
+                <a:effectLst/>
+                <a:latin typeface="ubuntu mono derivative powerline" panose="020B0509030602030204" pitchFamily="49" charset="0"/>
+              </a:rPr>
+              <a:t>image.</a:t>
+            </a:r>
+            <a:r>
+              <a:rPr lang="en-US" altLang="ko-KR" sz="1100" b="0" dirty="0" err="1">
+                <a:solidFill>
+                  <a:srgbClr val="0000FF"/>
+                </a:solidFill>
+                <a:effectLst/>
+                <a:latin typeface="ubuntu mono derivative powerline" panose="020B0509030602030204" pitchFamily="49" charset="0"/>
+              </a:rPr>
+              <a:t>shape</a:t>
+            </a:r>
+            <a:endParaRPr lang="en-US" altLang="ko-KR" sz="1100" b="0" dirty="0">
+              <a:solidFill>
+                <a:srgbClr val="0000FF"/>
+              </a:solidFill>
+              <a:effectLst/>
+              <a:latin typeface="ubuntu mono derivative powerline" panose="020B0509030602030204" pitchFamily="49" charset="0"/>
+            </a:endParaRPr>
+          </a:p>
+          <a:p>
+            <a:endParaRPr lang="en-US" altLang="ko-KR" sz="1100" dirty="0">
+              <a:latin typeface="ubuntu mono derivative powerline" panose="020B0509030602030204" pitchFamily="49" charset="0"/>
+            </a:endParaRPr>
+          </a:p>
+          <a:p>
+            <a:r>
+              <a:rPr lang="en-US" altLang="ko-KR" sz="1100" b="0" dirty="0">
+                <a:effectLst/>
+                <a:latin typeface="ubuntu mono derivative powerline" panose="020B0509030602030204" pitchFamily="49" charset="0"/>
+              </a:rPr>
+              <a:t>pt1 = </a:t>
+            </a:r>
+            <a:r>
+              <a:rPr lang="en-US" altLang="ko-KR" sz="1100" b="0" dirty="0" err="1">
+                <a:solidFill>
+                  <a:srgbClr val="7030A0"/>
+                </a:solidFill>
+                <a:effectLst/>
+                <a:latin typeface="ubuntu mono derivative powerline" panose="020B0509030602030204" pitchFamily="49" charset="0"/>
+              </a:rPr>
+              <a:t>np</a:t>
+            </a:r>
+            <a:r>
+              <a:rPr lang="en-US" altLang="ko-KR" sz="1100" b="0" dirty="0" err="1">
+                <a:effectLst/>
+                <a:latin typeface="ubuntu mono derivative powerline" panose="020B0509030602030204" pitchFamily="49" charset="0"/>
+              </a:rPr>
+              <a:t>.</a:t>
+            </a:r>
+            <a:r>
+              <a:rPr lang="en-US" altLang="ko-KR" sz="1100" b="0" dirty="0" err="1">
+                <a:solidFill>
+                  <a:srgbClr val="0000FF"/>
+                </a:solidFill>
+                <a:effectLst/>
+                <a:latin typeface="ubuntu mono derivative powerline" panose="020B0509030602030204" pitchFamily="49" charset="0"/>
+              </a:rPr>
+              <a:t>array</a:t>
+            </a:r>
+            <a:r>
+              <a:rPr lang="en-US" altLang="ko-KR" sz="1100" b="0" dirty="0">
+                <a:effectLst/>
+                <a:latin typeface="ubuntu mono derivative powerline" panose="020B0509030602030204" pitchFamily="49" charset="0"/>
+              </a:rPr>
+              <a:t>([[772, 196], [1190, 824], [443, 962]], </a:t>
+            </a:r>
+            <a:r>
+              <a:rPr lang="en-US" altLang="ko-KR" sz="1100" b="0" dirty="0">
+                <a:solidFill>
+                  <a:srgbClr val="7030A0"/>
+                </a:solidFill>
+                <a:effectLst/>
+                <a:latin typeface="ubuntu mono derivative powerline" panose="020B0509030602030204" pitchFamily="49" charset="0"/>
+              </a:rPr>
+              <a:t>np</a:t>
+            </a:r>
+            <a:r>
+              <a:rPr lang="en-US" altLang="ko-KR" sz="1100" b="0" dirty="0">
+                <a:effectLst/>
+                <a:latin typeface="ubuntu mono derivative powerline" panose="020B0509030602030204" pitchFamily="49" charset="0"/>
+              </a:rPr>
+              <a:t>.</a:t>
+            </a:r>
+            <a:r>
+              <a:rPr lang="en-US" altLang="ko-KR" sz="1100" b="0" dirty="0">
+                <a:solidFill>
+                  <a:srgbClr val="0000FF"/>
+                </a:solidFill>
+                <a:effectLst/>
+                <a:latin typeface="ubuntu mono derivative powerline" panose="020B0509030602030204" pitchFamily="49" charset="0"/>
+              </a:rPr>
+              <a:t>float32</a:t>
+            </a:r>
+            <a:r>
+              <a:rPr lang="en-US" altLang="ko-KR" sz="1100" b="0" dirty="0">
+                <a:effectLst/>
+                <a:latin typeface="ubuntu mono derivative powerline" panose="020B0509030602030204" pitchFamily="49" charset="0"/>
+              </a:rPr>
+              <a:t>)</a:t>
+            </a:r>
+          </a:p>
+          <a:p>
+            <a:r>
+              <a:rPr lang="en-US" altLang="ko-KR" sz="1100" b="0" dirty="0">
+                <a:solidFill>
+                  <a:srgbClr val="00B050"/>
+                </a:solidFill>
+                <a:effectLst/>
+                <a:latin typeface="ubuntu mono derivative powerline" panose="020B0509030602030204" pitchFamily="49" charset="0"/>
+              </a:rPr>
+              <a:t># </a:t>
+            </a:r>
+            <a:r>
+              <a:rPr lang="ko-KR" altLang="en-US" sz="1100" b="0" dirty="0">
+                <a:solidFill>
+                  <a:srgbClr val="00B050"/>
+                </a:solidFill>
+                <a:effectLst/>
+                <a:latin typeface="ubuntu mono derivative powerline" panose="020B0509030602030204" pitchFamily="49" charset="0"/>
+              </a:rPr>
+              <a:t>원본 이미지에서 이미지를 변환할 좌표 설정</a:t>
+            </a:r>
+          </a:p>
+          <a:p>
+            <a:r>
+              <a:rPr lang="en-US" altLang="ko-KR" sz="1100" b="0" dirty="0">
+                <a:effectLst/>
+                <a:latin typeface="ubuntu mono derivative powerline" panose="020B0509030602030204" pitchFamily="49" charset="0"/>
+              </a:rPr>
+              <a:t>pt2 = </a:t>
+            </a:r>
+            <a:r>
+              <a:rPr lang="en-US" altLang="ko-KR" sz="1100" b="0" dirty="0" err="1">
+                <a:solidFill>
+                  <a:srgbClr val="7030A0"/>
+                </a:solidFill>
+                <a:effectLst/>
+                <a:latin typeface="ubuntu mono derivative powerline" panose="020B0509030602030204" pitchFamily="49" charset="0"/>
+              </a:rPr>
+              <a:t>np</a:t>
+            </a:r>
+            <a:r>
+              <a:rPr lang="en-US" altLang="ko-KR" sz="1100" b="0" dirty="0" err="1">
+                <a:effectLst/>
+                <a:latin typeface="ubuntu mono derivative powerline" panose="020B0509030602030204" pitchFamily="49" charset="0"/>
+              </a:rPr>
+              <a:t>.</a:t>
+            </a:r>
+            <a:r>
+              <a:rPr lang="en-US" altLang="ko-KR" sz="1100" b="0" dirty="0" err="1">
+                <a:solidFill>
+                  <a:srgbClr val="0000FF"/>
+                </a:solidFill>
+                <a:effectLst/>
+                <a:latin typeface="ubuntu mono derivative powerline" panose="020B0509030602030204" pitchFamily="49" charset="0"/>
+              </a:rPr>
+              <a:t>array</a:t>
+            </a:r>
+            <a:r>
+              <a:rPr lang="en-US" altLang="ko-KR" sz="1100" b="0" dirty="0">
+                <a:effectLst/>
+                <a:latin typeface="ubuntu mono derivative powerline" panose="020B0509030602030204" pitchFamily="49" charset="0"/>
+              </a:rPr>
+              <a:t>([[275, 503], [1286, 128], [1332, 893]], </a:t>
+            </a:r>
+            <a:r>
+              <a:rPr lang="en-US" altLang="ko-KR" sz="1100" b="0" dirty="0">
+                <a:solidFill>
+                  <a:srgbClr val="7030A0"/>
+                </a:solidFill>
+                <a:effectLst/>
+                <a:latin typeface="ubuntu mono derivative powerline" panose="020B0509030602030204" pitchFamily="49" charset="0"/>
+              </a:rPr>
+              <a:t>np</a:t>
+            </a:r>
+            <a:r>
+              <a:rPr lang="en-US" altLang="ko-KR" sz="1100" b="0" dirty="0">
+                <a:effectLst/>
+                <a:latin typeface="ubuntu mono derivative powerline" panose="020B0509030602030204" pitchFamily="49" charset="0"/>
+              </a:rPr>
+              <a:t>.</a:t>
+            </a:r>
+            <a:r>
+              <a:rPr lang="en-US" altLang="ko-KR" sz="1100" b="0" dirty="0">
+                <a:solidFill>
+                  <a:srgbClr val="0000FF"/>
+                </a:solidFill>
+                <a:effectLst/>
+                <a:latin typeface="ubuntu mono derivative powerline" panose="020B0509030602030204" pitchFamily="49" charset="0"/>
+              </a:rPr>
+              <a:t>float32</a:t>
+            </a:r>
+            <a:r>
+              <a:rPr lang="en-US" altLang="ko-KR" sz="1100" b="0" dirty="0">
+                <a:effectLst/>
+                <a:latin typeface="ubuntu mono derivative powerline" panose="020B0509030602030204" pitchFamily="49" charset="0"/>
+              </a:rPr>
+              <a:t>)</a:t>
+            </a:r>
+          </a:p>
+          <a:p>
+            <a:r>
+              <a:rPr lang="en-US" altLang="ko-KR" sz="1100" b="0" dirty="0">
+                <a:solidFill>
+                  <a:srgbClr val="00B050"/>
+                </a:solidFill>
+                <a:effectLst/>
+                <a:latin typeface="ubuntu mono derivative powerline" panose="020B0509030602030204" pitchFamily="49" charset="0"/>
+              </a:rPr>
+              <a:t># </a:t>
+            </a:r>
+            <a:r>
+              <a:rPr lang="ko-KR" altLang="en-US" sz="1100" b="0" dirty="0">
+                <a:solidFill>
+                  <a:srgbClr val="00B050"/>
+                </a:solidFill>
+                <a:effectLst/>
+                <a:latin typeface="ubuntu mono derivative powerline" panose="020B0509030602030204" pitchFamily="49" charset="0"/>
+              </a:rPr>
+              <a:t>변환된 이미지의 좌표 설정</a:t>
+            </a:r>
+          </a:p>
+          <a:p>
+            <a:r>
+              <a:rPr lang="en-US" altLang="ko-KR" sz="1100" b="0" dirty="0">
+                <a:solidFill>
+                  <a:srgbClr val="0000FF"/>
+                </a:solidFill>
+                <a:effectLst/>
+                <a:latin typeface="ubuntu mono derivative powerline" panose="020B0509030602030204" pitchFamily="49" charset="0"/>
+              </a:rPr>
+              <a:t>for</a:t>
+            </a:r>
+            <a:r>
+              <a:rPr lang="en-US" altLang="ko-KR" sz="1100" b="0" dirty="0">
+                <a:effectLst/>
+                <a:latin typeface="ubuntu mono derivative powerline" panose="020B0509030602030204" pitchFamily="49" charset="0"/>
+              </a:rPr>
+              <a:t> </a:t>
+            </a:r>
+            <a:r>
+              <a:rPr lang="en-US" altLang="ko-KR" sz="1100" b="0" dirty="0" err="1">
+                <a:effectLst/>
+                <a:latin typeface="ubuntu mono derivative powerline" panose="020B0509030602030204" pitchFamily="49" charset="0"/>
+              </a:rPr>
+              <a:t>pt</a:t>
+            </a:r>
+            <a:r>
+              <a:rPr lang="en-US" altLang="ko-KR" sz="1100" b="0" dirty="0">
+                <a:effectLst/>
+                <a:latin typeface="ubuntu mono derivative powerline" panose="020B0509030602030204" pitchFamily="49" charset="0"/>
+              </a:rPr>
+              <a:t> </a:t>
+            </a:r>
+            <a:r>
+              <a:rPr lang="en-US" altLang="ko-KR" sz="1100" b="0" dirty="0">
+                <a:solidFill>
+                  <a:srgbClr val="0000FF"/>
+                </a:solidFill>
+                <a:effectLst/>
+                <a:latin typeface="ubuntu mono derivative powerline" panose="020B0509030602030204" pitchFamily="49" charset="0"/>
+              </a:rPr>
+              <a:t>in</a:t>
+            </a:r>
+            <a:r>
+              <a:rPr lang="en-US" altLang="ko-KR" sz="1100" b="0" dirty="0">
+                <a:effectLst/>
+                <a:latin typeface="ubuntu mono derivative powerline" panose="020B0509030602030204" pitchFamily="49" charset="0"/>
+              </a:rPr>
+              <a:t> pt1:</a:t>
+            </a:r>
+          </a:p>
+          <a:p>
+            <a:r>
+              <a:rPr lang="en-US" altLang="ko-KR" sz="1100" b="0" dirty="0">
+                <a:effectLst/>
+                <a:latin typeface="ubuntu mono derivative powerline" panose="020B0509030602030204" pitchFamily="49" charset="0"/>
+              </a:rPr>
+              <a:t>    </a:t>
+            </a:r>
+            <a:r>
+              <a:rPr lang="en-US" altLang="ko-KR" sz="1100" b="0" dirty="0">
+                <a:solidFill>
+                  <a:srgbClr val="7030A0"/>
+                </a:solidFill>
+                <a:effectLst/>
+                <a:latin typeface="ubuntu mono derivative powerline" panose="020B0509030602030204" pitchFamily="49" charset="0"/>
+              </a:rPr>
+              <a:t>cv2</a:t>
+            </a:r>
+            <a:r>
+              <a:rPr lang="en-US" altLang="ko-KR" sz="1100" b="0" dirty="0">
+                <a:effectLst/>
+                <a:latin typeface="ubuntu mono derivative powerline" panose="020B0509030602030204" pitchFamily="49" charset="0"/>
+              </a:rPr>
+              <a:t>.</a:t>
+            </a:r>
+            <a:r>
+              <a:rPr lang="en-US" altLang="ko-KR" sz="1100" b="0" dirty="0">
+                <a:solidFill>
+                  <a:srgbClr val="0000FF"/>
+                </a:solidFill>
+                <a:effectLst/>
+                <a:latin typeface="ubuntu mono derivative powerline" panose="020B0509030602030204" pitchFamily="49" charset="0"/>
+              </a:rPr>
+              <a:t>circle</a:t>
+            </a:r>
+            <a:r>
+              <a:rPr lang="en-US" altLang="ko-KR" sz="1100" b="0" dirty="0">
+                <a:effectLst/>
+                <a:latin typeface="ubuntu mono derivative powerline" panose="020B0509030602030204" pitchFamily="49" charset="0"/>
+              </a:rPr>
+              <a:t>(image, </a:t>
+            </a:r>
+            <a:r>
+              <a:rPr lang="en-US" altLang="ko-KR" sz="1100" b="0" dirty="0">
+                <a:solidFill>
+                  <a:srgbClr val="0000FF"/>
+                </a:solidFill>
+                <a:effectLst/>
+                <a:latin typeface="ubuntu mono derivative powerline" panose="020B0509030602030204" pitchFamily="49" charset="0"/>
+              </a:rPr>
+              <a:t>tuple</a:t>
+            </a:r>
+            <a:r>
+              <a:rPr lang="en-US" altLang="ko-KR" sz="1100" b="0" dirty="0">
+                <a:effectLst/>
+                <a:latin typeface="ubuntu mono derivative powerline" panose="020B0509030602030204" pitchFamily="49" charset="0"/>
+              </a:rPr>
+              <a:t>(</a:t>
+            </a:r>
+            <a:r>
+              <a:rPr lang="en-US" altLang="ko-KR" sz="1100" b="0" dirty="0" err="1">
+                <a:effectLst/>
+                <a:latin typeface="ubuntu mono derivative powerline" panose="020B0509030602030204" pitchFamily="49" charset="0"/>
+              </a:rPr>
+              <a:t>pt.</a:t>
+            </a:r>
+            <a:r>
+              <a:rPr lang="en-US" altLang="ko-KR" sz="1100" b="0" dirty="0" err="1">
+                <a:solidFill>
+                  <a:srgbClr val="0000FF"/>
+                </a:solidFill>
+                <a:effectLst/>
+                <a:latin typeface="ubuntu mono derivative powerline" panose="020B0509030602030204" pitchFamily="49" charset="0"/>
+              </a:rPr>
+              <a:t>astype</a:t>
+            </a:r>
+            <a:r>
+              <a:rPr lang="en-US" altLang="ko-KR" sz="1100" b="0" dirty="0">
+                <a:effectLst/>
+                <a:latin typeface="ubuntu mono derivative powerline" panose="020B0509030602030204" pitchFamily="49" charset="0"/>
+              </a:rPr>
+              <a:t>(</a:t>
+            </a:r>
+            <a:r>
+              <a:rPr lang="en-US" altLang="ko-KR" sz="1100" b="0" dirty="0">
+                <a:solidFill>
+                  <a:srgbClr val="0000FF"/>
+                </a:solidFill>
+                <a:effectLst/>
+                <a:latin typeface="ubuntu mono derivative powerline" panose="020B0509030602030204" pitchFamily="49" charset="0"/>
+              </a:rPr>
+              <a:t>int</a:t>
+            </a:r>
+            <a:r>
+              <a:rPr lang="en-US" altLang="ko-KR" sz="1100" b="0" dirty="0">
+                <a:effectLst/>
+                <a:latin typeface="ubuntu mono derivative powerline" panose="020B0509030602030204" pitchFamily="49" charset="0"/>
+              </a:rPr>
+              <a:t>)), 10, (255, 0, 0), 5)</a:t>
+            </a:r>
+          </a:p>
+          <a:p>
+            <a:r>
+              <a:rPr lang="en-US" altLang="ko-KR" sz="1100" b="0" dirty="0">
+                <a:effectLst/>
+                <a:latin typeface="ubuntu mono derivative powerline" panose="020B0509030602030204" pitchFamily="49" charset="0"/>
+              </a:rPr>
+              <a:t>    </a:t>
+            </a:r>
+            <a:r>
+              <a:rPr lang="en-US" altLang="ko-KR" sz="1100" b="0" dirty="0">
+                <a:solidFill>
+                  <a:srgbClr val="00B050"/>
+                </a:solidFill>
+                <a:effectLst/>
+                <a:latin typeface="ubuntu mono derivative powerline" panose="020B0509030602030204" pitchFamily="49" charset="0"/>
+              </a:rPr>
+              <a:t>1. </a:t>
+            </a:r>
+            <a:r>
+              <a:rPr lang="ko-KR" altLang="en-US" sz="1100" b="0" dirty="0">
+                <a:solidFill>
+                  <a:srgbClr val="00B050"/>
+                </a:solidFill>
+                <a:effectLst/>
+                <a:latin typeface="ubuntu mono derivative powerline" panose="020B0509030602030204" pitchFamily="49" charset="0"/>
+              </a:rPr>
+              <a:t>입력 영상</a:t>
+            </a:r>
+          </a:p>
+          <a:p>
+            <a:r>
+              <a:rPr lang="ko-KR" altLang="en-US" sz="1100" b="0" dirty="0">
+                <a:solidFill>
+                  <a:srgbClr val="00B050"/>
+                </a:solidFill>
+                <a:effectLst/>
+                <a:latin typeface="ubuntu mono derivative powerline" panose="020B0509030602030204" pitchFamily="49" charset="0"/>
+              </a:rPr>
+              <a:t>    </a:t>
+            </a:r>
+            <a:r>
+              <a:rPr lang="en-US" altLang="ko-KR" sz="1100" b="0" dirty="0">
+                <a:solidFill>
+                  <a:srgbClr val="00B050"/>
+                </a:solidFill>
+                <a:effectLst/>
+                <a:latin typeface="ubuntu mono derivative powerline" panose="020B0509030602030204" pitchFamily="49" charset="0"/>
+              </a:rPr>
+              <a:t>2. </a:t>
+            </a:r>
+            <a:r>
+              <a:rPr lang="ko-KR" altLang="en-US" sz="1100" b="0" dirty="0">
+                <a:solidFill>
+                  <a:srgbClr val="00B050"/>
+                </a:solidFill>
+                <a:effectLst/>
+                <a:latin typeface="ubuntu mono derivative powerline" panose="020B0509030602030204" pitchFamily="49" charset="0"/>
+              </a:rPr>
+              <a:t>원의 중심 좌표</a:t>
+            </a:r>
+          </a:p>
+          <a:p>
+            <a:r>
+              <a:rPr lang="ko-KR" altLang="en-US" sz="1100" b="0" dirty="0">
+                <a:solidFill>
+                  <a:srgbClr val="00B050"/>
+                </a:solidFill>
+                <a:effectLst/>
+                <a:latin typeface="ubuntu mono derivative powerline" panose="020B0509030602030204" pitchFamily="49" charset="0"/>
+              </a:rPr>
+              <a:t>    </a:t>
+            </a:r>
+            <a:r>
+              <a:rPr lang="en-US" altLang="ko-KR" sz="1100" b="0" dirty="0">
+                <a:solidFill>
+                  <a:srgbClr val="00B050"/>
+                </a:solidFill>
+                <a:effectLst/>
+                <a:latin typeface="ubuntu mono derivative powerline" panose="020B0509030602030204" pitchFamily="49" charset="0"/>
+              </a:rPr>
+              <a:t>3. </a:t>
+            </a:r>
+            <a:r>
+              <a:rPr lang="ko-KR" altLang="en-US" sz="1100" b="0" dirty="0">
+                <a:solidFill>
+                  <a:srgbClr val="00B050"/>
+                </a:solidFill>
+                <a:effectLst/>
+                <a:latin typeface="ubuntu mono derivative powerline" panose="020B0509030602030204" pitchFamily="49" charset="0"/>
+              </a:rPr>
+              <a:t>원의 반지름</a:t>
+            </a:r>
+          </a:p>
+          <a:p>
+            <a:r>
+              <a:rPr lang="ko-KR" altLang="en-US" sz="1100" b="0" dirty="0">
+                <a:solidFill>
+                  <a:srgbClr val="00B050"/>
+                </a:solidFill>
+                <a:effectLst/>
+                <a:latin typeface="ubuntu mono derivative powerline" panose="020B0509030602030204" pitchFamily="49" charset="0"/>
+              </a:rPr>
+              <a:t>    </a:t>
+            </a:r>
+            <a:r>
+              <a:rPr lang="en-US" altLang="ko-KR" sz="1100" b="0" dirty="0">
+                <a:solidFill>
+                  <a:srgbClr val="00B050"/>
+                </a:solidFill>
+                <a:effectLst/>
+                <a:latin typeface="ubuntu mono derivative powerline" panose="020B0509030602030204" pitchFamily="49" charset="0"/>
+              </a:rPr>
+              <a:t>4. </a:t>
+            </a:r>
+            <a:r>
+              <a:rPr lang="ko-KR" altLang="en-US" sz="1100" b="0" dirty="0">
+                <a:solidFill>
+                  <a:srgbClr val="00B050"/>
+                </a:solidFill>
+                <a:effectLst/>
+                <a:latin typeface="ubuntu mono derivative powerline" panose="020B0509030602030204" pitchFamily="49" charset="0"/>
+              </a:rPr>
+              <a:t>원의 색상</a:t>
+            </a:r>
+          </a:p>
+          <a:p>
+            <a:r>
+              <a:rPr lang="ko-KR" altLang="en-US" sz="1100" b="0" dirty="0">
+                <a:solidFill>
+                  <a:srgbClr val="00B050"/>
+                </a:solidFill>
+                <a:effectLst/>
+                <a:latin typeface="ubuntu mono derivative powerline" panose="020B0509030602030204" pitchFamily="49" charset="0"/>
+              </a:rPr>
+              <a:t>    </a:t>
+            </a:r>
+            <a:r>
+              <a:rPr lang="en-US" altLang="ko-KR" sz="1100" b="0" dirty="0">
+                <a:solidFill>
+                  <a:srgbClr val="00B050"/>
+                </a:solidFill>
+                <a:effectLst/>
+                <a:latin typeface="ubuntu mono derivative powerline" panose="020B0509030602030204" pitchFamily="49" charset="0"/>
+              </a:rPr>
+              <a:t>5. </a:t>
+            </a:r>
+            <a:r>
+              <a:rPr lang="ko-KR" altLang="en-US" sz="1100" b="0" dirty="0">
+                <a:solidFill>
+                  <a:srgbClr val="00B050"/>
+                </a:solidFill>
+                <a:effectLst/>
+                <a:latin typeface="ubuntu mono derivative powerline" panose="020B0509030602030204" pitchFamily="49" charset="0"/>
+              </a:rPr>
+              <a:t>원의 두께</a:t>
+            </a:r>
+          </a:p>
+          <a:p>
+            <a:r>
+              <a:rPr lang="ko-KR" altLang="en-US" sz="1100" b="0" dirty="0">
+                <a:effectLst/>
+                <a:latin typeface="ubuntu mono derivative powerline" panose="020B0509030602030204" pitchFamily="49" charset="0"/>
+              </a:rPr>
+              <a:t>    </a:t>
+            </a:r>
+            <a:endParaRPr lang="en-US" altLang="ko-KR" sz="1100" b="0" dirty="0">
+              <a:effectLst/>
+              <a:latin typeface="ubuntu mono derivative powerline" panose="020B0509030602030204" pitchFamily="49" charset="0"/>
+            </a:endParaRPr>
+          </a:p>
+          <a:p>
+            <a:r>
+              <a:rPr lang="en-US" altLang="ko-KR" sz="1100" b="0" dirty="0" err="1">
+                <a:effectLst/>
+                <a:latin typeface="ubuntu mono derivative powerline" panose="020B0509030602030204" pitchFamily="49" charset="0"/>
+              </a:rPr>
+              <a:t>aff_mat</a:t>
+            </a:r>
+            <a:r>
+              <a:rPr lang="en-US" altLang="ko-KR" sz="1100" b="0" dirty="0">
+                <a:effectLst/>
+                <a:latin typeface="ubuntu mono derivative powerline" panose="020B0509030602030204" pitchFamily="49" charset="0"/>
+              </a:rPr>
+              <a:t> = </a:t>
+            </a:r>
+            <a:r>
+              <a:rPr lang="en-US" altLang="ko-KR" sz="1100" b="0" dirty="0">
+                <a:solidFill>
+                  <a:srgbClr val="7030A0"/>
+                </a:solidFill>
+                <a:effectLst/>
+                <a:latin typeface="ubuntu mono derivative powerline" panose="020B0509030602030204" pitchFamily="49" charset="0"/>
+              </a:rPr>
+              <a:t>cv2</a:t>
+            </a:r>
+            <a:r>
+              <a:rPr lang="en-US" altLang="ko-KR" sz="1100" b="0" dirty="0">
+                <a:effectLst/>
+                <a:latin typeface="ubuntu mono derivative powerline" panose="020B0509030602030204" pitchFamily="49" charset="0"/>
+              </a:rPr>
+              <a:t>.</a:t>
+            </a:r>
+            <a:r>
+              <a:rPr lang="en-US" altLang="ko-KR" sz="1100" b="0" dirty="0">
+                <a:solidFill>
+                  <a:srgbClr val="0000FF"/>
+                </a:solidFill>
+                <a:effectLst/>
+                <a:latin typeface="ubuntu mono derivative powerline" panose="020B0509030602030204" pitchFamily="49" charset="0"/>
+              </a:rPr>
+              <a:t>getAffineTransform</a:t>
+            </a:r>
+            <a:r>
+              <a:rPr lang="en-US" altLang="ko-KR" sz="1100" b="0" dirty="0">
+                <a:effectLst/>
+                <a:latin typeface="ubuntu mono derivative powerline" panose="020B0509030602030204" pitchFamily="49" charset="0"/>
+              </a:rPr>
+              <a:t>(pt1, pt2)</a:t>
+            </a:r>
+          </a:p>
+          <a:p>
+            <a:r>
+              <a:rPr lang="en-US" altLang="ko-KR" sz="1100" b="0" dirty="0">
+                <a:effectLst/>
+                <a:latin typeface="ubuntu mono derivative powerline" panose="020B0509030602030204" pitchFamily="49" charset="0"/>
+              </a:rPr>
+              <a:t>affine = </a:t>
+            </a:r>
+            <a:r>
+              <a:rPr lang="en-US" altLang="ko-KR" sz="1100" b="0" dirty="0">
+                <a:solidFill>
+                  <a:srgbClr val="7030A0"/>
+                </a:solidFill>
+                <a:effectLst/>
+                <a:latin typeface="ubuntu mono derivative powerline" panose="020B0509030602030204" pitchFamily="49" charset="0"/>
+              </a:rPr>
+              <a:t>cv2</a:t>
+            </a:r>
+            <a:r>
+              <a:rPr lang="en-US" altLang="ko-KR" sz="1100" b="0" dirty="0">
+                <a:effectLst/>
+                <a:latin typeface="ubuntu mono derivative powerline" panose="020B0509030602030204" pitchFamily="49" charset="0"/>
+              </a:rPr>
+              <a:t>.</a:t>
+            </a:r>
+            <a:r>
+              <a:rPr lang="en-US" altLang="ko-KR" sz="1100" b="0" dirty="0">
+                <a:solidFill>
+                  <a:srgbClr val="0000FF"/>
+                </a:solidFill>
+                <a:effectLst/>
+                <a:latin typeface="ubuntu mono derivative powerline" panose="020B0509030602030204" pitchFamily="49" charset="0"/>
+              </a:rPr>
+              <a:t>warpAffine</a:t>
+            </a:r>
+            <a:r>
+              <a:rPr lang="en-US" altLang="ko-KR" sz="1100" b="0" dirty="0">
+                <a:effectLst/>
+                <a:latin typeface="ubuntu mono derivative powerline" panose="020B0509030602030204" pitchFamily="49" charset="0"/>
+              </a:rPr>
+              <a:t>(image, </a:t>
+            </a:r>
+            <a:r>
+              <a:rPr lang="en-US" altLang="ko-KR" sz="1100" b="0" dirty="0" err="1">
+                <a:effectLst/>
+                <a:latin typeface="ubuntu mono derivative powerline" panose="020B0509030602030204" pitchFamily="49" charset="0"/>
+              </a:rPr>
+              <a:t>aff_mat</a:t>
+            </a:r>
+            <a:r>
+              <a:rPr lang="en-US" altLang="ko-KR" sz="1100" b="0" dirty="0">
+                <a:effectLst/>
+                <a:latin typeface="ubuntu mono derivative powerline" panose="020B0509030602030204" pitchFamily="49" charset="0"/>
+              </a:rPr>
+              <a:t>, (w, h))</a:t>
+            </a:r>
+          </a:p>
+          <a:p>
+            <a:endParaRPr lang="en-US" altLang="ko-KR" sz="1100" dirty="0">
+              <a:latin typeface="ubuntu mono derivative powerline" panose="020B0509030602030204" pitchFamily="49" charset="0"/>
+            </a:endParaRPr>
+          </a:p>
+          <a:p>
+            <a:r>
+              <a:rPr lang="en-US" altLang="ko-KR" sz="1100" b="0" dirty="0">
+                <a:effectLst/>
+                <a:latin typeface="ubuntu mono derivative powerline" panose="020B0509030602030204" pitchFamily="49" charset="0"/>
+              </a:rPr>
+              <a:t>titles = [“image”, “affine”]</a:t>
+            </a:r>
+          </a:p>
+          <a:p>
+            <a:r>
+              <a:rPr lang="en-US" altLang="ko-KR" sz="1100" dirty="0">
+                <a:latin typeface="ubuntu mono derivative powerline" panose="020B0509030602030204" pitchFamily="49" charset="0"/>
+              </a:rPr>
+              <a:t>...</a:t>
+            </a:r>
+            <a:endParaRPr lang="en-US" altLang="ko-KR" sz="1100" b="0" dirty="0">
+              <a:effectLst/>
+              <a:latin typeface="ubuntu mono derivative powerline" panose="020B0509030602030204" pitchFamily="49" charset="0"/>
+            </a:endParaRPr>
+          </a:p>
+        </p:txBody>
+      </p:sp>
+      <p:pic>
+        <p:nvPicPr>
+          <p:cNvPr id="6" name="그림 5">
+            <a:extLst>
+              <a:ext uri="{FF2B5EF4-FFF2-40B4-BE49-F238E27FC236}">
+                <a16:creationId xmlns:a16="http://schemas.microsoft.com/office/drawing/2014/main" id="{B31D9B9A-969C-ADE9-E91F-3E33A7C45B20}"/>
+              </a:ext>
+            </a:extLst>
+          </p:cNvPr>
+          <p:cNvPicPr>
+            <a:picLocks noChangeAspect="1"/>
+          </p:cNvPicPr>
+          <p:nvPr/>
+        </p:nvPicPr>
+        <p:blipFill>
+          <a:blip r:embed="rId2"/>
+          <a:stretch>
+            <a:fillRect/>
+          </a:stretch>
+        </p:blipFill>
+        <p:spPr>
+          <a:xfrm>
+            <a:off x="5063480" y="136166"/>
+            <a:ext cx="3851920" cy="2140667"/>
+          </a:xfrm>
+          <a:prstGeom prst="rect">
+            <a:avLst/>
+          </a:prstGeom>
+        </p:spPr>
+      </p:pic>
+      <p:pic>
+        <p:nvPicPr>
+          <p:cNvPr id="8" name="그림 7">
+            <a:extLst>
+              <a:ext uri="{FF2B5EF4-FFF2-40B4-BE49-F238E27FC236}">
+                <a16:creationId xmlns:a16="http://schemas.microsoft.com/office/drawing/2014/main" id="{B6FC9854-9066-4BE6-4493-CE5860C9959D}"/>
+              </a:ext>
+            </a:extLst>
+          </p:cNvPr>
+          <p:cNvPicPr>
+            <a:picLocks noChangeAspect="1"/>
+          </p:cNvPicPr>
+          <p:nvPr/>
+        </p:nvPicPr>
+        <p:blipFill>
+          <a:blip r:embed="rId3"/>
+          <a:stretch>
+            <a:fillRect/>
+          </a:stretch>
+        </p:blipFill>
+        <p:spPr>
+          <a:xfrm>
+            <a:off x="5663579" y="3196424"/>
+            <a:ext cx="3312368" cy="2213515"/>
+          </a:xfrm>
+          <a:prstGeom prst="rect">
+            <a:avLst/>
+          </a:prstGeom>
+        </p:spPr>
+      </p:pic>
+      <p:sp>
+        <p:nvSpPr>
+          <p:cNvPr id="10" name="원호 9">
+            <a:extLst>
+              <a:ext uri="{FF2B5EF4-FFF2-40B4-BE49-F238E27FC236}">
+                <a16:creationId xmlns:a16="http://schemas.microsoft.com/office/drawing/2014/main" id="{F3C35035-8CA5-61E3-E326-B6F29A3A432B}"/>
+              </a:ext>
+            </a:extLst>
+          </p:cNvPr>
+          <p:cNvSpPr/>
+          <p:nvPr/>
+        </p:nvSpPr>
+        <p:spPr>
+          <a:xfrm rot="13216331">
+            <a:off x="6862562" y="2764698"/>
+            <a:ext cx="914400" cy="914400"/>
+          </a:xfrm>
+          <a:prstGeom prst="arc">
+            <a:avLst>
+              <a:gd name="adj1" fmla="val 16200000"/>
+              <a:gd name="adj2" fmla="val 8865193"/>
+            </a:avLst>
+          </a:prstGeom>
+          <a:ln w="28575">
+            <a:solidFill>
+              <a:srgbClr val="FF0000"/>
+            </a:solidFill>
+            <a:headEnd type="none" w="med" len="med"/>
+            <a:tailEnd type="arrow" w="med" len="med"/>
+          </a:ln>
+        </p:spPr>
+        <p:style>
+          <a:lnRef idx="1">
+            <a:schemeClr val="accent1"/>
+          </a:lnRef>
+          <a:fillRef idx="0">
+            <a:schemeClr val="accent1"/>
+          </a:fillRef>
+          <a:effectRef idx="0">
+            <a:schemeClr val="accent1"/>
+          </a:effectRef>
+          <a:fontRef idx="minor">
+            <a:schemeClr val="tx1"/>
+          </a:fontRef>
+        </p:style>
+        <p:txBody>
+          <a:bodyPr rtlCol="0" anchor="ctr"/>
+          <a:lstStyle/>
+          <a:p>
+            <a:pPr algn="ctr"/>
+            <a:endParaRPr lang="ko-KR" altLang="en-US"/>
+          </a:p>
+        </p:txBody>
+      </p:sp>
+      <p:sp>
+        <p:nvSpPr>
+          <p:cNvPr id="11" name="TextBox 10">
+            <a:extLst>
+              <a:ext uri="{FF2B5EF4-FFF2-40B4-BE49-F238E27FC236}">
+                <a16:creationId xmlns:a16="http://schemas.microsoft.com/office/drawing/2014/main" id="{93BDC469-30D3-D1AB-C91B-9637484141EC}"/>
+              </a:ext>
+            </a:extLst>
+          </p:cNvPr>
+          <p:cNvSpPr txBox="1"/>
+          <p:nvPr/>
+        </p:nvSpPr>
+        <p:spPr>
+          <a:xfrm>
+            <a:off x="5926592" y="2358884"/>
+            <a:ext cx="2786340" cy="400110"/>
+          </a:xfrm>
+          <a:prstGeom prst="rect">
+            <a:avLst/>
+          </a:prstGeom>
+          <a:noFill/>
+        </p:spPr>
+        <p:txBody>
+          <a:bodyPr wrap="none" rtlCol="0">
+            <a:spAutoFit/>
+          </a:bodyPr>
+          <a:lstStyle/>
+          <a:p>
+            <a:r>
+              <a:rPr lang="ko-KR" altLang="en-US" sz="1000" b="1" dirty="0">
+                <a:solidFill>
+                  <a:srgbClr val="FF0000"/>
+                </a:solidFill>
+                <a:latin typeface="Ubuntu Mono derivative Powerlin" panose="020B0509030602030204" pitchFamily="49" charset="0"/>
+              </a:rPr>
+              <a:t>지정된 좌표에 따라 약 </a:t>
+            </a:r>
+            <a:r>
+              <a:rPr lang="en-US" altLang="ko-KR" sz="1000" b="1" dirty="0">
+                <a:solidFill>
+                  <a:srgbClr val="FF0000"/>
+                </a:solidFill>
+                <a:latin typeface="Ubuntu Mono derivative Powerlin" panose="020B0509030602030204" pitchFamily="49" charset="0"/>
+              </a:rPr>
+              <a:t>100</a:t>
+            </a:r>
+            <a:r>
+              <a:rPr lang="ko-KR" altLang="en-US" sz="1000" b="1" dirty="0">
+                <a:solidFill>
+                  <a:srgbClr val="FF0000"/>
+                </a:solidFill>
+                <a:latin typeface="Ubuntu Mono derivative Powerlin" panose="020B0509030602030204" pitchFamily="49" charset="0"/>
+              </a:rPr>
+              <a:t>도 회전</a:t>
+            </a:r>
+            <a:endParaRPr lang="en-US" altLang="ko-KR" sz="1000" b="1" dirty="0">
+              <a:solidFill>
+                <a:srgbClr val="FF0000"/>
+              </a:solidFill>
+              <a:latin typeface="Ubuntu Mono derivative Powerlin" panose="020B0509030602030204" pitchFamily="49" charset="0"/>
+            </a:endParaRPr>
+          </a:p>
+          <a:p>
+            <a:r>
+              <a:rPr lang="ko-KR" altLang="en-US" sz="1000" b="1" dirty="0">
+                <a:solidFill>
+                  <a:srgbClr val="FF0000"/>
+                </a:solidFill>
+                <a:latin typeface="Ubuntu Mono derivative Powerlin" panose="020B0509030602030204" pitchFamily="49" charset="0"/>
+              </a:rPr>
+              <a:t>정확히 말하면 회전이 아닌 </a:t>
+            </a:r>
+            <a:r>
+              <a:rPr lang="en-US" altLang="ko-KR" sz="1000" b="1" dirty="0">
+                <a:solidFill>
+                  <a:srgbClr val="FF0000"/>
+                </a:solidFill>
+                <a:latin typeface="Ubuntu Mono derivative Powerlin" panose="020B0509030602030204" pitchFamily="49" charset="0"/>
+              </a:rPr>
+              <a:t>3</a:t>
+            </a:r>
+            <a:r>
+              <a:rPr lang="ko-KR" altLang="en-US" sz="1000" b="1" dirty="0">
+                <a:solidFill>
+                  <a:srgbClr val="FF0000"/>
+                </a:solidFill>
+                <a:latin typeface="Ubuntu Mono derivative Powerlin" panose="020B0509030602030204" pitchFamily="49" charset="0"/>
+              </a:rPr>
+              <a:t>점 </a:t>
+            </a:r>
+            <a:r>
+              <a:rPr lang="ko-KR" altLang="en-US" sz="1000" b="1" dirty="0" err="1">
+                <a:solidFill>
+                  <a:srgbClr val="FF0000"/>
+                </a:solidFill>
+                <a:latin typeface="Ubuntu Mono derivative Powerlin" panose="020B0509030602030204" pitchFamily="49" charset="0"/>
+              </a:rPr>
+              <a:t>어파인</a:t>
+            </a:r>
+            <a:r>
+              <a:rPr lang="ko-KR" altLang="en-US" sz="1000" b="1" dirty="0">
+                <a:solidFill>
+                  <a:srgbClr val="FF0000"/>
+                </a:solidFill>
+                <a:latin typeface="Ubuntu Mono derivative Powerlin" panose="020B0509030602030204" pitchFamily="49" charset="0"/>
+              </a:rPr>
+              <a:t> 변환</a:t>
+            </a:r>
+          </a:p>
+        </p:txBody>
+      </p:sp>
+    </p:spTree>
+    <p:extLst>
+      <p:ext uri="{BB962C8B-B14F-4D97-AF65-F5344CB8AC3E}">
+        <p14:creationId xmlns:p14="http://schemas.microsoft.com/office/powerpoint/2010/main" val="3621310798"/>
       </p:ext>
     </p:extLst>
   </p:cSld>
